--- a/ML-topic/Regularization.pptx
+++ b/ML-topic/Regularization.pptx
@@ -120,6 +120,11 @@
       </a:defRPr>
     </a:lvl9pPr>
   </p:defaultTextStyle>
+  <p:extLst>
+    <p:ext uri="{EFAFB233-063F-42B5-8137-9DF3F51BA10A}">
+      <p15:sldGuideLst xmlns:p15="http://schemas.microsoft.com/office/powerpoint/2012/main"/>
+    </p:ext>
+  </p:extLst>
 </p:presentation>
 </file>
 
@@ -8137,6 +8142,52 @@
           </a:fontRef>
         </p:style>
       </p:cxnSp>
+      <p:sp>
+        <p:nvSpPr>
+          <p:cNvPr id="4" name="Rectangle 3">
+            <a:extLst>
+              <a:ext uri="{FF2B5EF4-FFF2-40B4-BE49-F238E27FC236}">
+                <a16:creationId xmlns:a16="http://schemas.microsoft.com/office/drawing/2014/main" id="{130DB24F-844E-463F-B829-57BF890E9FEC}"/>
+              </a:ext>
+            </a:extLst>
+          </p:cNvPr>
+          <p:cNvSpPr/>
+          <p:nvPr/>
+        </p:nvSpPr>
+        <p:spPr>
+          <a:xfrm>
+            <a:off x="9158068" y="309489"/>
+            <a:ext cx="2504049" cy="870383"/>
+          </a:xfrm>
+          <a:prstGeom prst="rect">
+            <a:avLst/>
+          </a:prstGeom>
+        </p:spPr>
+        <p:style>
+          <a:lnRef idx="2">
+            <a:schemeClr val="accent1">
+              <a:shade val="50000"/>
+            </a:schemeClr>
+          </a:lnRef>
+          <a:fillRef idx="1">
+            <a:schemeClr val="accent1"/>
+          </a:fillRef>
+          <a:effectRef idx="0">
+            <a:schemeClr val="accent1"/>
+          </a:effectRef>
+          <a:fontRef idx="minor">
+            <a:schemeClr val="lt1"/>
+          </a:fontRef>
+        </p:style>
+        <p:txBody>
+          <a:bodyPr rtlCol="0" anchor="ctr"/>
+          <a:lstStyle/>
+          <a:p>
+            <a:pPr algn="ctr"/>
+            <a:endParaRPr lang="en-IN"/>
+          </a:p>
+        </p:txBody>
+      </p:sp>
     </p:spTree>
     <p:extLst>
       <p:ext uri="{BB962C8B-B14F-4D97-AF65-F5344CB8AC3E}">
@@ -13177,8 +13228,8 @@
           </a:p>
         </p:txBody>
       </p:sp>
-      <mc:AlternateContent xmlns:mc="http://schemas.openxmlformats.org/markup-compatibility/2006">
-        <mc:Choice xmlns:p14="http://schemas.microsoft.com/office/powerpoint/2010/main" Requires="p14">
+      <mc:AlternateContent xmlns:mc="http://schemas.openxmlformats.org/markup-compatibility/2006" xmlns:p14="http://schemas.microsoft.com/office/powerpoint/2010/main">
+        <mc:Choice Requires="p14">
           <p:contentPart p14:bwMode="auto" r:id="rId2">
             <p14:nvContentPartPr>
               <p14:cNvPr id="4" name="Ink 3">
@@ -13197,7 +13248,7 @@
             </p14:xfrm>
           </p:contentPart>
         </mc:Choice>
-        <mc:Fallback>
+        <mc:Fallback xmlns="">
           <p:pic>
             <p:nvPicPr>
               <p:cNvPr id="4" name="Ink 3">
@@ -13228,8 +13279,8 @@
           </p:pic>
         </mc:Fallback>
       </mc:AlternateContent>
-      <mc:AlternateContent xmlns:mc="http://schemas.openxmlformats.org/markup-compatibility/2006">
-        <mc:Choice xmlns:p14="http://schemas.microsoft.com/office/powerpoint/2010/main" Requires="p14">
+      <mc:AlternateContent xmlns:mc="http://schemas.openxmlformats.org/markup-compatibility/2006" xmlns:p14="http://schemas.microsoft.com/office/powerpoint/2010/main">
+        <mc:Choice Requires="p14">
           <p:contentPart p14:bwMode="auto" r:id="rId4">
             <p14:nvContentPartPr>
               <p14:cNvPr id="5" name="Ink 4">
@@ -13248,7 +13299,7 @@
             </p14:xfrm>
           </p:contentPart>
         </mc:Choice>
-        <mc:Fallback>
+        <mc:Fallback xmlns="">
           <p:pic>
             <p:nvPicPr>
               <p:cNvPr id="5" name="Ink 4">
@@ -13279,8 +13330,8 @@
           </p:pic>
         </mc:Fallback>
       </mc:AlternateContent>
-      <mc:AlternateContent xmlns:mc="http://schemas.openxmlformats.org/markup-compatibility/2006">
-        <mc:Choice xmlns:p14="http://schemas.microsoft.com/office/powerpoint/2010/main" Requires="p14">
+      <mc:AlternateContent xmlns:mc="http://schemas.openxmlformats.org/markup-compatibility/2006" xmlns:p14="http://schemas.microsoft.com/office/powerpoint/2010/main">
+        <mc:Choice Requires="p14">
           <p:contentPart p14:bwMode="auto" r:id="rId6">
             <p14:nvContentPartPr>
               <p14:cNvPr id="6" name="Ink 5">
@@ -13299,7 +13350,7 @@
             </p14:xfrm>
           </p:contentPart>
         </mc:Choice>
-        <mc:Fallback>
+        <mc:Fallback xmlns="">
           <p:pic>
             <p:nvPicPr>
               <p:cNvPr id="6" name="Ink 5">
@@ -13330,8 +13381,8 @@
           </p:pic>
         </mc:Fallback>
       </mc:AlternateContent>
-      <mc:AlternateContent xmlns:mc="http://schemas.openxmlformats.org/markup-compatibility/2006">
-        <mc:Choice xmlns:p14="http://schemas.microsoft.com/office/powerpoint/2010/main" Requires="p14">
+      <mc:AlternateContent xmlns:mc="http://schemas.openxmlformats.org/markup-compatibility/2006" xmlns:p14="http://schemas.microsoft.com/office/powerpoint/2010/main">
+        <mc:Choice Requires="p14">
           <p:contentPart p14:bwMode="auto" r:id="rId8">
             <p14:nvContentPartPr>
               <p14:cNvPr id="7" name="Ink 6">
@@ -13350,7 +13401,7 @@
             </p14:xfrm>
           </p:contentPart>
         </mc:Choice>
-        <mc:Fallback>
+        <mc:Fallback xmlns="">
           <p:pic>
             <p:nvPicPr>
               <p:cNvPr id="7" name="Ink 6">
@@ -13381,8 +13432,8 @@
           </p:pic>
         </mc:Fallback>
       </mc:AlternateContent>
-      <mc:AlternateContent xmlns:mc="http://schemas.openxmlformats.org/markup-compatibility/2006">
-        <mc:Choice xmlns:p14="http://schemas.microsoft.com/office/powerpoint/2010/main" Requires="p14">
+      <mc:AlternateContent xmlns:mc="http://schemas.openxmlformats.org/markup-compatibility/2006" xmlns:p14="http://schemas.microsoft.com/office/powerpoint/2010/main">
+        <mc:Choice Requires="p14">
           <p:contentPart p14:bwMode="auto" r:id="rId10">
             <p14:nvContentPartPr>
               <p14:cNvPr id="8" name="Ink 7">
@@ -13401,7 +13452,7 @@
             </p14:xfrm>
           </p:contentPart>
         </mc:Choice>
-        <mc:Fallback>
+        <mc:Fallback xmlns="">
           <p:pic>
             <p:nvPicPr>
               <p:cNvPr id="8" name="Ink 7">
@@ -13452,8 +13503,8 @@
             <a:chExt cx="849600" cy="713160"/>
           </a:xfrm>
         </p:grpSpPr>
-        <mc:AlternateContent xmlns:mc="http://schemas.openxmlformats.org/markup-compatibility/2006">
-          <mc:Choice xmlns:p14="http://schemas.microsoft.com/office/powerpoint/2010/main" Requires="p14">
+        <mc:AlternateContent xmlns:mc="http://schemas.openxmlformats.org/markup-compatibility/2006" xmlns:p14="http://schemas.microsoft.com/office/powerpoint/2010/main">
+          <mc:Choice Requires="p14">
             <p:contentPart p14:bwMode="auto" r:id="rId12">
               <p14:nvContentPartPr>
                 <p14:cNvPr id="9" name="Ink 8">
@@ -13472,7 +13523,7 @@
               </p14:xfrm>
             </p:contentPart>
           </mc:Choice>
-          <mc:Fallback>
+          <mc:Fallback xmlns="">
             <p:pic>
               <p:nvPicPr>
                 <p:cNvPr id="9" name="Ink 8">
@@ -13503,8 +13554,8 @@
             </p:pic>
           </mc:Fallback>
         </mc:AlternateContent>
-        <mc:AlternateContent xmlns:mc="http://schemas.openxmlformats.org/markup-compatibility/2006">
-          <mc:Choice xmlns:p14="http://schemas.microsoft.com/office/powerpoint/2010/main" Requires="p14">
+        <mc:AlternateContent xmlns:mc="http://schemas.openxmlformats.org/markup-compatibility/2006" xmlns:p14="http://schemas.microsoft.com/office/powerpoint/2010/main">
+          <mc:Choice Requires="p14">
             <p:contentPart p14:bwMode="auto" r:id="rId14">
               <p14:nvContentPartPr>
                 <p14:cNvPr id="10" name="Ink 9">
@@ -13523,7 +13574,7 @@
               </p14:xfrm>
             </p:contentPart>
           </mc:Choice>
-          <mc:Fallback>
+          <mc:Fallback xmlns="">
             <p:pic>
               <p:nvPicPr>
                 <p:cNvPr id="10" name="Ink 9">
@@ -13555,8 +13606,8 @@
           </mc:Fallback>
         </mc:AlternateContent>
       </p:grpSp>
-      <mc:AlternateContent xmlns:mc="http://schemas.openxmlformats.org/markup-compatibility/2006">
-        <mc:Choice xmlns:p14="http://schemas.microsoft.com/office/powerpoint/2010/main" Requires="p14">
+      <mc:AlternateContent xmlns:mc="http://schemas.openxmlformats.org/markup-compatibility/2006" xmlns:p14="http://schemas.microsoft.com/office/powerpoint/2010/main">
+        <mc:Choice Requires="p14">
           <p:contentPart p14:bwMode="auto" r:id="rId16">
             <p14:nvContentPartPr>
               <p14:cNvPr id="12" name="Ink 11">
@@ -13575,7 +13626,7 @@
             </p14:xfrm>
           </p:contentPart>
         </mc:Choice>
-        <mc:Fallback>
+        <mc:Fallback xmlns="">
           <p:pic>
             <p:nvPicPr>
               <p:cNvPr id="12" name="Ink 11">
@@ -13606,8 +13657,8 @@
           </p:pic>
         </mc:Fallback>
       </mc:AlternateContent>
-      <mc:AlternateContent xmlns:mc="http://schemas.openxmlformats.org/markup-compatibility/2006">
-        <mc:Choice xmlns:p14="http://schemas.microsoft.com/office/powerpoint/2010/main" Requires="p14">
+      <mc:AlternateContent xmlns:mc="http://schemas.openxmlformats.org/markup-compatibility/2006" xmlns:p14="http://schemas.microsoft.com/office/powerpoint/2010/main">
+        <mc:Choice Requires="p14">
           <p:contentPart p14:bwMode="auto" r:id="rId18">
             <p14:nvContentPartPr>
               <p14:cNvPr id="13" name="Ink 12">
@@ -13626,7 +13677,7 @@
             </p14:xfrm>
           </p:contentPart>
         </mc:Choice>
-        <mc:Fallback>
+        <mc:Fallback xmlns="">
           <p:pic>
             <p:nvPicPr>
               <p:cNvPr id="13" name="Ink 12">
@@ -13657,8 +13708,8 @@
           </p:pic>
         </mc:Fallback>
       </mc:AlternateContent>
-      <mc:AlternateContent xmlns:mc="http://schemas.openxmlformats.org/markup-compatibility/2006">
-        <mc:Choice xmlns:p14="http://schemas.microsoft.com/office/powerpoint/2010/main" Requires="p14">
+      <mc:AlternateContent xmlns:mc="http://schemas.openxmlformats.org/markup-compatibility/2006" xmlns:p14="http://schemas.microsoft.com/office/powerpoint/2010/main">
+        <mc:Choice Requires="p14">
           <p:contentPart p14:bwMode="auto" r:id="rId20">
             <p14:nvContentPartPr>
               <p14:cNvPr id="14" name="Ink 13">
@@ -13677,7 +13728,7 @@
             </p14:xfrm>
           </p:contentPart>
         </mc:Choice>
-        <mc:Fallback>
+        <mc:Fallback xmlns="">
           <p:pic>
             <p:nvPicPr>
               <p:cNvPr id="14" name="Ink 13">
@@ -13708,8 +13759,8 @@
           </p:pic>
         </mc:Fallback>
       </mc:AlternateContent>
-      <mc:AlternateContent xmlns:mc="http://schemas.openxmlformats.org/markup-compatibility/2006">
-        <mc:Choice xmlns:p14="http://schemas.microsoft.com/office/powerpoint/2010/main" Requires="p14">
+      <mc:AlternateContent xmlns:mc="http://schemas.openxmlformats.org/markup-compatibility/2006" xmlns:p14="http://schemas.microsoft.com/office/powerpoint/2010/main">
+        <mc:Choice Requires="p14">
           <p:contentPart p14:bwMode="auto" r:id="rId22">
             <p14:nvContentPartPr>
               <p14:cNvPr id="15" name="Ink 14">
@@ -13728,7 +13779,7 @@
             </p14:xfrm>
           </p:contentPart>
         </mc:Choice>
-        <mc:Fallback>
+        <mc:Fallback xmlns="">
           <p:pic>
             <p:nvPicPr>
               <p:cNvPr id="15" name="Ink 14">
@@ -13759,8 +13810,8 @@
           </p:pic>
         </mc:Fallback>
       </mc:AlternateContent>
-      <mc:AlternateContent xmlns:mc="http://schemas.openxmlformats.org/markup-compatibility/2006">
-        <mc:Choice xmlns:p14="http://schemas.microsoft.com/office/powerpoint/2010/main" Requires="p14">
+      <mc:AlternateContent xmlns:mc="http://schemas.openxmlformats.org/markup-compatibility/2006" xmlns:p14="http://schemas.microsoft.com/office/powerpoint/2010/main">
+        <mc:Choice Requires="p14">
           <p:contentPart p14:bwMode="auto" r:id="rId24">
             <p14:nvContentPartPr>
               <p14:cNvPr id="16" name="Ink 15">
@@ -13779,7 +13830,7 @@
             </p14:xfrm>
           </p:contentPart>
         </mc:Choice>
-        <mc:Fallback>
+        <mc:Fallback xmlns="">
           <p:pic>
             <p:nvPicPr>
               <p:cNvPr id="16" name="Ink 15">
@@ -13810,8 +13861,8 @@
           </p:pic>
         </mc:Fallback>
       </mc:AlternateContent>
-      <mc:AlternateContent xmlns:mc="http://schemas.openxmlformats.org/markup-compatibility/2006">
-        <mc:Choice xmlns:p14="http://schemas.microsoft.com/office/powerpoint/2010/main" Requires="p14">
+      <mc:AlternateContent xmlns:mc="http://schemas.openxmlformats.org/markup-compatibility/2006" xmlns:p14="http://schemas.microsoft.com/office/powerpoint/2010/main">
+        <mc:Choice Requires="p14">
           <p:contentPart p14:bwMode="auto" r:id="rId26">
             <p14:nvContentPartPr>
               <p14:cNvPr id="17" name="Ink 16">
@@ -13830,7 +13881,7 @@
             </p14:xfrm>
           </p:contentPart>
         </mc:Choice>
-        <mc:Fallback>
+        <mc:Fallback xmlns="">
           <p:pic>
             <p:nvPicPr>
               <p:cNvPr id="17" name="Ink 16">
@@ -13861,8 +13912,8 @@
           </p:pic>
         </mc:Fallback>
       </mc:AlternateContent>
-      <mc:AlternateContent xmlns:mc="http://schemas.openxmlformats.org/markup-compatibility/2006">
-        <mc:Choice xmlns:p14="http://schemas.microsoft.com/office/powerpoint/2010/main" Requires="p14">
+      <mc:AlternateContent xmlns:mc="http://schemas.openxmlformats.org/markup-compatibility/2006" xmlns:p14="http://schemas.microsoft.com/office/powerpoint/2010/main">
+        <mc:Choice Requires="p14">
           <p:contentPart p14:bwMode="auto" r:id="rId28">
             <p14:nvContentPartPr>
               <p14:cNvPr id="18" name="Ink 17">
@@ -13881,7 +13932,7 @@
             </p14:xfrm>
           </p:contentPart>
         </mc:Choice>
-        <mc:Fallback>
+        <mc:Fallback xmlns="">
           <p:pic>
             <p:nvPicPr>
               <p:cNvPr id="18" name="Ink 17">
@@ -13912,8 +13963,8 @@
           </p:pic>
         </mc:Fallback>
       </mc:AlternateContent>
-      <mc:AlternateContent xmlns:mc="http://schemas.openxmlformats.org/markup-compatibility/2006">
-        <mc:Choice xmlns:p14="http://schemas.microsoft.com/office/powerpoint/2010/main" Requires="p14">
+      <mc:AlternateContent xmlns:mc="http://schemas.openxmlformats.org/markup-compatibility/2006" xmlns:p14="http://schemas.microsoft.com/office/powerpoint/2010/main">
+        <mc:Choice Requires="p14">
           <p:contentPart p14:bwMode="auto" r:id="rId30">
             <p14:nvContentPartPr>
               <p14:cNvPr id="19" name="Ink 18">
@@ -13932,7 +13983,7 @@
             </p14:xfrm>
           </p:contentPart>
         </mc:Choice>
-        <mc:Fallback>
+        <mc:Fallback xmlns="">
           <p:pic>
             <p:nvPicPr>
               <p:cNvPr id="19" name="Ink 18">
@@ -13963,8 +14014,8 @@
           </p:pic>
         </mc:Fallback>
       </mc:AlternateContent>
-      <mc:AlternateContent xmlns:mc="http://schemas.openxmlformats.org/markup-compatibility/2006">
-        <mc:Choice xmlns:p14="http://schemas.microsoft.com/office/powerpoint/2010/main" Requires="p14">
+      <mc:AlternateContent xmlns:mc="http://schemas.openxmlformats.org/markup-compatibility/2006" xmlns:p14="http://schemas.microsoft.com/office/powerpoint/2010/main">
+        <mc:Choice Requires="p14">
           <p:contentPart p14:bwMode="auto" r:id="rId32">
             <p14:nvContentPartPr>
               <p14:cNvPr id="20" name="Ink 19">
@@ -13983,7 +14034,7 @@
             </p14:xfrm>
           </p:contentPart>
         </mc:Choice>
-        <mc:Fallback>
+        <mc:Fallback xmlns="">
           <p:pic>
             <p:nvPicPr>
               <p:cNvPr id="20" name="Ink 19">
@@ -14014,8 +14065,8 @@
           </p:pic>
         </mc:Fallback>
       </mc:AlternateContent>
-      <mc:AlternateContent xmlns:mc="http://schemas.openxmlformats.org/markup-compatibility/2006">
-        <mc:Choice xmlns:p14="http://schemas.microsoft.com/office/powerpoint/2010/main" Requires="p14">
+      <mc:AlternateContent xmlns:mc="http://schemas.openxmlformats.org/markup-compatibility/2006" xmlns:p14="http://schemas.microsoft.com/office/powerpoint/2010/main">
+        <mc:Choice Requires="p14">
           <p:contentPart p14:bwMode="auto" r:id="rId34">
             <p14:nvContentPartPr>
               <p14:cNvPr id="21" name="Ink 20">
@@ -14034,7 +14085,7 @@
             </p14:xfrm>
           </p:contentPart>
         </mc:Choice>
-        <mc:Fallback>
+        <mc:Fallback xmlns="">
           <p:pic>
             <p:nvPicPr>
               <p:cNvPr id="21" name="Ink 20">
@@ -14065,8 +14116,8 @@
           </p:pic>
         </mc:Fallback>
       </mc:AlternateContent>
-      <mc:AlternateContent xmlns:mc="http://schemas.openxmlformats.org/markup-compatibility/2006">
-        <mc:Choice xmlns:p14="http://schemas.microsoft.com/office/powerpoint/2010/main" Requires="p14">
+      <mc:AlternateContent xmlns:mc="http://schemas.openxmlformats.org/markup-compatibility/2006" xmlns:p14="http://schemas.microsoft.com/office/powerpoint/2010/main">
+        <mc:Choice Requires="p14">
           <p:contentPart p14:bwMode="auto" r:id="rId36">
             <p14:nvContentPartPr>
               <p14:cNvPr id="22" name="Ink 21">
@@ -14085,7 +14136,7 @@
             </p14:xfrm>
           </p:contentPart>
         </mc:Choice>
-        <mc:Fallback>
+        <mc:Fallback xmlns="">
           <p:pic>
             <p:nvPicPr>
               <p:cNvPr id="22" name="Ink 21">
@@ -14116,8 +14167,8 @@
           </p:pic>
         </mc:Fallback>
       </mc:AlternateContent>
-      <mc:AlternateContent xmlns:mc="http://schemas.openxmlformats.org/markup-compatibility/2006">
-        <mc:Choice xmlns:p14="http://schemas.microsoft.com/office/powerpoint/2010/main" Requires="p14">
+      <mc:AlternateContent xmlns:mc="http://schemas.openxmlformats.org/markup-compatibility/2006" xmlns:p14="http://schemas.microsoft.com/office/powerpoint/2010/main">
+        <mc:Choice Requires="p14">
           <p:contentPart p14:bwMode="auto" r:id="rId38">
             <p14:nvContentPartPr>
               <p14:cNvPr id="23" name="Ink 22">
@@ -14136,7 +14187,7 @@
             </p14:xfrm>
           </p:contentPart>
         </mc:Choice>
-        <mc:Fallback>
+        <mc:Fallback xmlns="">
           <p:pic>
             <p:nvPicPr>
               <p:cNvPr id="23" name="Ink 22">
